--- a/GraphicsDesign/Icon.pptx
+++ b/GraphicsDesign/Icon.pptx
@@ -3358,122 +3358,143 @@
           <a:chExt cx="0" cy="0"/>
         </a:xfrm>
       </p:grpSpPr>
-      <p:sp>
-        <p:nvSpPr>
-          <p:cNvPr id="4" name="Rectangle: Rounded Corners 3">
-            <a:extLst>
-              <a:ext uri="{FF2B5EF4-FFF2-40B4-BE49-F238E27FC236}">
-                <a16:creationId xmlns:a16="http://schemas.microsoft.com/office/drawing/2014/main" id="{C712EB97-672B-44B4-91CC-59DB9E21BC40}"/>
-              </a:ext>
-            </a:extLst>
-          </p:cNvPr>
-          <p:cNvSpPr/>
+      <p:grpSp>
+        <p:nvGrpSpPr>
+          <p:cNvPr id="2" name="Group 1">
+            <a:extLst>
+              <a:ext uri="{FF2B5EF4-FFF2-40B4-BE49-F238E27FC236}">
+                <a16:creationId xmlns:a16="http://schemas.microsoft.com/office/drawing/2014/main" id="{B6CF95AD-3775-42F2-9319-4505D93DC8AA}"/>
+              </a:ext>
+            </a:extLst>
+          </p:cNvPr>
+          <p:cNvGrpSpPr/>
           <p:nvPr/>
-        </p:nvSpPr>
-        <p:spPr>
+        </p:nvGrpSpPr>
+        <p:grpSpPr>
           <a:xfrm>
             <a:off x="4672707" y="3439749"/>
             <a:ext cx="1080000" cy="1080000"/>
+            <a:chOff x="4672707" y="3439749"/>
+            <a:chExt cx="1080000" cy="1080000"/>
           </a:xfrm>
-          <a:prstGeom prst="roundRect">
-            <a:avLst>
-              <a:gd name="adj" fmla="val 7898"/>
-            </a:avLst>
-          </a:prstGeom>
-          <a:solidFill>
-            <a:schemeClr val="tx1">
-              <a:lumMod val="50000"/>
-              <a:lumOff val="50000"/>
-            </a:schemeClr>
-          </a:solidFill>
-          <a:ln w="38100" cap="flat">
+        </p:grpSpPr>
+        <p:sp>
+          <p:nvSpPr>
+            <p:cNvPr id="4" name="Rectangle: Rounded Corners 3">
+              <a:extLst>
+                <a:ext uri="{FF2B5EF4-FFF2-40B4-BE49-F238E27FC236}">
+                  <a16:creationId xmlns:a16="http://schemas.microsoft.com/office/drawing/2014/main" id="{C712EB97-672B-44B4-91CC-59DB9E21BC40}"/>
+                </a:ext>
+              </a:extLst>
+            </p:cNvPr>
+            <p:cNvSpPr/>
+            <p:nvPr/>
+          </p:nvSpPr>
+          <p:spPr>
+            <a:xfrm>
+              <a:off x="4672707" y="3439749"/>
+              <a:ext cx="1080000" cy="1080000"/>
+            </a:xfrm>
+            <a:prstGeom prst="roundRect">
+              <a:avLst>
+                <a:gd name="adj" fmla="val 7898"/>
+              </a:avLst>
+            </a:prstGeom>
             <a:solidFill>
-              <a:schemeClr val="tx1"/>
+              <a:schemeClr val="tx1">
+                <a:lumMod val="50000"/>
+                <a:lumOff val="50000"/>
+              </a:schemeClr>
             </a:solidFill>
-          </a:ln>
-          <a:effectLst>
-            <a:glow rad="101600">
+            <a:ln w="38100" cap="flat">
+              <a:solidFill>
+                <a:schemeClr val="tx1"/>
+              </a:solidFill>
+            </a:ln>
+            <a:effectLst>
+              <a:glow rad="101600">
+                <a:schemeClr val="accent1">
+                  <a:satMod val="175000"/>
+                  <a:alpha val="40000"/>
+                </a:schemeClr>
+              </a:glow>
+            </a:effectLst>
+          </p:spPr>
+          <p:style>
+            <a:lnRef idx="2">
               <a:schemeClr val="accent1">
-                <a:satMod val="175000"/>
-                <a:alpha val="40000"/>
+                <a:shade val="50000"/>
               </a:schemeClr>
-            </a:glow>
-          </a:effectLst>
-        </p:spPr>
-        <p:style>
-          <a:lnRef idx="2">
-            <a:schemeClr val="accent1">
-              <a:shade val="50000"/>
-            </a:schemeClr>
-          </a:lnRef>
-          <a:fillRef idx="1">
-            <a:schemeClr val="accent1"/>
-          </a:fillRef>
-          <a:effectRef idx="0">
-            <a:schemeClr val="accent1"/>
-          </a:effectRef>
-          <a:fontRef idx="minor">
-            <a:schemeClr val="lt1"/>
-          </a:fontRef>
-        </p:style>
-        <p:txBody>
-          <a:bodyPr rtlCol="0" anchor="ctr"/>
-          <a:lstStyle/>
-          <a:p>
-            <a:pPr algn="ctr"/>
-            <a:endParaRPr lang="en-AU" dirty="0"/>
-          </a:p>
-        </p:txBody>
-      </p:sp>
-      <p:sp>
-        <p:nvSpPr>
-          <p:cNvPr id="3" name="TextBox 2">
-            <a:extLst>
-              <a:ext uri="{FF2B5EF4-FFF2-40B4-BE49-F238E27FC236}">
-                <a16:creationId xmlns:a16="http://schemas.microsoft.com/office/drawing/2014/main" id="{ECE4DEEE-BC2C-4C74-BEB0-C2A37A015F5E}"/>
-              </a:ext>
-            </a:extLst>
-          </p:cNvPr>
-          <p:cNvSpPr txBox="1"/>
-          <p:nvPr/>
-        </p:nvSpPr>
-        <p:spPr>
-          <a:xfrm>
-            <a:off x="4861489" y="3471917"/>
-            <a:ext cx="702436" cy="1015663"/>
-          </a:xfrm>
-          <a:prstGeom prst="rect">
-            <a:avLst/>
-          </a:prstGeom>
-          <a:noFill/>
-        </p:spPr>
-        <p:txBody>
-          <a:bodyPr wrap="none" rtlCol="0">
-            <a:spAutoFit/>
-          </a:bodyPr>
-          <a:lstStyle/>
-          <a:p>
-            <a:r>
-              <a:rPr lang="en-AU" sz="3000" b="1" dirty="0">
-                <a:solidFill>
-                  <a:schemeClr val="bg1"/>
-                </a:solidFill>
-              </a:rPr>
-              <a:t>🖼</a:t>
-            </a:r>
-          </a:p>
-          <a:p>
-            <a:r>
-              <a:rPr lang="en-AU" sz="3000" b="1" dirty="0">
-                <a:solidFill>
-                  <a:schemeClr val="bg1"/>
-                </a:solidFill>
-              </a:rPr>
-              <a:t>⌨</a:t>
-            </a:r>
-          </a:p>
-        </p:txBody>
-      </p:sp>
+            </a:lnRef>
+            <a:fillRef idx="1">
+              <a:schemeClr val="accent1"/>
+            </a:fillRef>
+            <a:effectRef idx="0">
+              <a:schemeClr val="accent1"/>
+            </a:effectRef>
+            <a:fontRef idx="minor">
+              <a:schemeClr val="lt1"/>
+            </a:fontRef>
+          </p:style>
+          <p:txBody>
+            <a:bodyPr rtlCol="0" anchor="ctr"/>
+            <a:lstStyle/>
+            <a:p>
+              <a:pPr algn="ctr"/>
+              <a:endParaRPr lang="en-AU" dirty="0"/>
+            </a:p>
+          </p:txBody>
+        </p:sp>
+        <p:sp>
+          <p:nvSpPr>
+            <p:cNvPr id="3" name="TextBox 2">
+              <a:extLst>
+                <a:ext uri="{FF2B5EF4-FFF2-40B4-BE49-F238E27FC236}">
+                  <a16:creationId xmlns:a16="http://schemas.microsoft.com/office/drawing/2014/main" id="{ECE4DEEE-BC2C-4C74-BEB0-C2A37A015F5E}"/>
+                </a:ext>
+              </a:extLst>
+            </p:cNvPr>
+            <p:cNvSpPr txBox="1"/>
+            <p:nvPr/>
+          </p:nvSpPr>
+          <p:spPr>
+            <a:xfrm>
+              <a:off x="4861489" y="3471917"/>
+              <a:ext cx="702436" cy="1015663"/>
+            </a:xfrm>
+            <a:prstGeom prst="rect">
+              <a:avLst/>
+            </a:prstGeom>
+            <a:noFill/>
+          </p:spPr>
+          <p:txBody>
+            <a:bodyPr wrap="none" rtlCol="0">
+              <a:spAutoFit/>
+            </a:bodyPr>
+            <a:lstStyle/>
+            <a:p>
+              <a:r>
+                <a:rPr lang="en-AU" sz="3000" b="1" dirty="0">
+                  <a:solidFill>
+                    <a:schemeClr val="bg1"/>
+                  </a:solidFill>
+                </a:rPr>
+                <a:t>🖼</a:t>
+              </a:r>
+            </a:p>
+            <a:p>
+              <a:r>
+                <a:rPr lang="en-AU" sz="3000" b="1" dirty="0">
+                  <a:solidFill>
+                    <a:schemeClr val="bg1"/>
+                  </a:solidFill>
+                </a:rPr>
+                <a:t>⌨</a:t>
+              </a:r>
+            </a:p>
+          </p:txBody>
+        </p:sp>
+      </p:grpSp>
     </p:spTree>
     <p:extLst>
       <p:ext uri="{BB962C8B-B14F-4D97-AF65-F5344CB8AC3E}">
